--- a/doc/TdM/Dynamische Geometrie mit JSXGraph.pptx
+++ b/doc/TdM/Dynamische Geometrie mit JSXGraph.pptx
@@ -202,7 +202,7 @@
             <a:fld id="{E2BAE153-D929-4317-A4AB-BCCC72F2DF5D}" type="datetimeFigureOut">
               <a:rPr lang="de-DE" smtClean="0"/>
               <a:pPr/>
-              <a:t>09.07.2010</a:t>
+              <a:t>10.07.2010</a:t>
             </a:fld>
             <a:endParaRPr lang="de-DE"/>
           </a:p>
@@ -650,7 +650,7 @@
             <a:fld id="{477E1E78-23B3-46FC-95EC-6DF4952F46E2}" type="datetimeFigureOut">
               <a:rPr lang="de-DE" smtClean="0"/>
               <a:pPr/>
-              <a:t>09.07.2010</a:t>
+              <a:t>10.07.2010</a:t>
             </a:fld>
             <a:endParaRPr lang="de-DE"/>
           </a:p>
@@ -817,7 +817,7 @@
             <a:fld id="{477E1E78-23B3-46FC-95EC-6DF4952F46E2}" type="datetimeFigureOut">
               <a:rPr lang="de-DE" smtClean="0"/>
               <a:pPr/>
-              <a:t>09.07.2010</a:t>
+              <a:t>10.07.2010</a:t>
             </a:fld>
             <a:endParaRPr lang="de-DE"/>
           </a:p>
@@ -994,7 +994,7 @@
             <a:fld id="{477E1E78-23B3-46FC-95EC-6DF4952F46E2}" type="datetimeFigureOut">
               <a:rPr lang="de-DE" smtClean="0"/>
               <a:pPr/>
-              <a:t>09.07.2010</a:t>
+              <a:t>10.07.2010</a:t>
             </a:fld>
             <a:endParaRPr lang="de-DE"/>
           </a:p>
@@ -1161,7 +1161,7 @@
             <a:fld id="{477E1E78-23B3-46FC-95EC-6DF4952F46E2}" type="datetimeFigureOut">
               <a:rPr lang="de-DE" smtClean="0"/>
               <a:pPr/>
-              <a:t>09.07.2010</a:t>
+              <a:t>10.07.2010</a:t>
             </a:fld>
             <a:endParaRPr lang="de-DE"/>
           </a:p>
@@ -1404,7 +1404,7 @@
             <a:fld id="{477E1E78-23B3-46FC-95EC-6DF4952F46E2}" type="datetimeFigureOut">
               <a:rPr lang="de-DE" smtClean="0"/>
               <a:pPr/>
-              <a:t>09.07.2010</a:t>
+              <a:t>10.07.2010</a:t>
             </a:fld>
             <a:endParaRPr lang="de-DE"/>
           </a:p>
@@ -1689,7 +1689,7 @@
             <a:fld id="{477E1E78-23B3-46FC-95EC-6DF4952F46E2}" type="datetimeFigureOut">
               <a:rPr lang="de-DE" smtClean="0"/>
               <a:pPr/>
-              <a:t>09.07.2010</a:t>
+              <a:t>10.07.2010</a:t>
             </a:fld>
             <a:endParaRPr lang="de-DE"/>
           </a:p>
@@ -2108,7 +2108,7 @@
             <a:fld id="{477E1E78-23B3-46FC-95EC-6DF4952F46E2}" type="datetimeFigureOut">
               <a:rPr lang="de-DE" smtClean="0"/>
               <a:pPr/>
-              <a:t>09.07.2010</a:t>
+              <a:t>10.07.2010</a:t>
             </a:fld>
             <a:endParaRPr lang="de-DE"/>
           </a:p>
@@ -2223,7 +2223,7 @@
             <a:fld id="{477E1E78-23B3-46FC-95EC-6DF4952F46E2}" type="datetimeFigureOut">
               <a:rPr lang="de-DE" smtClean="0"/>
               <a:pPr/>
-              <a:t>09.07.2010</a:t>
+              <a:t>10.07.2010</a:t>
             </a:fld>
             <a:endParaRPr lang="de-DE"/>
           </a:p>
@@ -2315,7 +2315,7 @@
             <a:fld id="{477E1E78-23B3-46FC-95EC-6DF4952F46E2}" type="datetimeFigureOut">
               <a:rPr lang="de-DE" smtClean="0"/>
               <a:pPr/>
-              <a:t>09.07.2010</a:t>
+              <a:t>10.07.2010</a:t>
             </a:fld>
             <a:endParaRPr lang="de-DE"/>
           </a:p>
@@ -2589,7 +2589,7 @@
             <a:fld id="{477E1E78-23B3-46FC-95EC-6DF4952F46E2}" type="datetimeFigureOut">
               <a:rPr lang="de-DE" smtClean="0"/>
               <a:pPr/>
-              <a:t>09.07.2010</a:t>
+              <a:t>10.07.2010</a:t>
             </a:fld>
             <a:endParaRPr lang="de-DE"/>
           </a:p>
@@ -2839,7 +2839,7 @@
             <a:fld id="{477E1E78-23B3-46FC-95EC-6DF4952F46E2}" type="datetimeFigureOut">
               <a:rPr lang="de-DE" smtClean="0"/>
               <a:pPr/>
-              <a:t>09.07.2010</a:t>
+              <a:t>10.07.2010</a:t>
             </a:fld>
             <a:endParaRPr lang="de-DE"/>
           </a:p>
@@ -3058,7 +3058,7 @@
             <a:fld id="{477E1E78-23B3-46FC-95EC-6DF4952F46E2}" type="datetimeFigureOut">
               <a:rPr lang="de-DE" smtClean="0"/>
               <a:pPr/>
-              <a:t>09.07.2010</a:t>
+              <a:t>10.07.2010</a:t>
             </a:fld>
             <a:endParaRPr lang="de-DE"/>
           </a:p>
@@ -3464,11 +3464,7 @@
             </a:br>
             <a:r>
               <a:rPr lang="de-DE" sz="3600" b="1" dirty="0" smtClean="0"/>
-              <a:t>Dynamische </a:t>
-            </a:r>
-            <a:r>
-              <a:rPr lang="de-DE" sz="3600" b="1" dirty="0" smtClean="0"/>
-              <a:t>Geometrie mit </a:t>
+              <a:t>Dynamische Geometrie mit </a:t>
             </a:r>
             <a:r>
               <a:rPr lang="de-DE" sz="3600" b="1" dirty="0" err="1" smtClean="0"/>
@@ -3538,27 +3534,8 @@
                   </a:schemeClr>
                 </a:solidFill>
               </a:rPr>
-              <a:t>, </a:t>
-            </a:r>
-            <a:r>
-              <a:rPr lang="de-DE" sz="2000" dirty="0" smtClean="0">
-                <a:solidFill>
-                  <a:schemeClr val="tx1">
-                    <a:lumMod val="75000"/>
-                    <a:lumOff val="25000"/>
-                  </a:schemeClr>
-                </a:solidFill>
-              </a:rPr>
-              <a:t>Bianca Valentin</a:t>
-            </a:r>
-            <a:endParaRPr lang="de-DE" sz="2000" dirty="0" smtClean="0">
-              <a:solidFill>
-                <a:schemeClr val="tx1">
-                  <a:lumMod val="75000"/>
-                  <a:lumOff val="25000"/>
-                </a:schemeClr>
-              </a:solidFill>
-            </a:endParaRPr>
+              <a:t>, Bianca Valentin</a:t>
+            </a:r>
           </a:p>
           <a:p>
             <a:endParaRPr lang="de-DE" sz="2000" dirty="0" smtClean="0">
@@ -3748,6 +3725,9 @@
   <p:clrMapOvr>
     <a:masterClrMapping/>
   </p:clrMapOvr>
+  <p:transition>
+    <p:dissolve/>
+  </p:transition>
   <p:timing>
     <p:tnLst>
       <p:par>
@@ -4955,9 +4935,7 @@
   <p:clrMapOvr>
     <a:masterClrMapping/>
   </p:clrMapOvr>
-  <p:transition>
-    <p:dissolve/>
-  </p:transition>
+  <p:transition/>
   <p:timing>
     <p:tnLst>
       <p:par>
@@ -5727,11 +5705,7 @@
             </a:r>
             <a:r>
               <a:rPr lang="en-US" sz="2800" dirty="0" smtClean="0"/>
-              <a:t> </a:t>
-            </a:r>
-            <a:r>
-              <a:rPr lang="en-US" sz="2800" dirty="0" smtClean="0"/>
-              <a:t>Browser und das</a:t>
+              <a:t> Browser und das</a:t>
             </a:r>
             <a:br>
               <a:rPr lang="en-US" sz="2800" dirty="0" smtClean="0"/>
@@ -5769,6 +5743,9 @@
   <p:clrMapOvr>
     <a:masterClrMapping/>
   </p:clrMapOvr>
+  <p:transition>
+    <p:dissolve/>
+  </p:transition>
   <p:timing>
     <p:tnLst>
       <p:par>
@@ -7208,6 +7185,9 @@
   <p:clrMapOvr>
     <a:masterClrMapping/>
   </p:clrMapOvr>
+  <p:transition>
+    <p:dissolve/>
+  </p:transition>
   <p:timing>
     <p:tnLst>
       <p:par>
@@ -7577,6 +7557,9 @@
   <p:clrMapOvr>
     <a:masterClrMapping/>
   </p:clrMapOvr>
+  <p:transition>
+    <p:dissolve/>
+  </p:transition>
   <p:timing>
     <p:tnLst>
       <p:par>
@@ -8026,6 +8009,9 @@
   <p:clrMapOvr>
     <a:masterClrMapping/>
   </p:clrMapOvr>
+  <p:transition>
+    <p:dissolve/>
+  </p:transition>
   <p:timing>
     <p:tnLst>
       <p:par>
